--- a/컴퓨터그래픽스_홍인식/term project/컴퓨터 그래픽스 영상 제작.pptx
+++ b/컴퓨터그래픽스_홍인식/term project/컴퓨터 그래픽스 영상 제작.pptx
@@ -234,7 +234,7 @@
               <a:rPr lang="ko-KR" altLang="en-US" smtClean="0">
                 <a:latin typeface="+mj-lt"/>
               </a:rPr>
-              <a:t>2023-05-28</a:t>
+              <a:t>2023-05-30</a:t>
             </a:fld>
             <a:endParaRPr lang="ko-KR" altLang="en-US" dirty="0">
               <a:latin typeface="+mj-lt"/>
@@ -415,7 +415,7 @@
             <a:fld id="{888382B4-BA11-4387-BBF0-6A871BD5BB3D}" type="datetime1">
               <a:rPr lang="ko-KR" altLang="en-US" smtClean="0"/>
               <a:pPr/>
-              <a:t>2023-05-28</a:t>
+              <a:t>2023-05-30</a:t>
             </a:fld>
             <a:endParaRPr lang="ko-KR" altLang="en-US" dirty="0"/>
           </a:p>
@@ -12143,7 +12143,17 @@
                 <a:latin typeface="맑은 고딕" panose="020B0503020000020004" pitchFamily="50" charset="-127"/>
                 <a:ea typeface="맑은 고딕" panose="020B0503020000020004" pitchFamily="50" charset="-127"/>
               </a:rPr>
-              <a:t>컴퓨터 공학과 소개 영상</a:t>
+              <a:t>컴퓨터 공학과 </a:t>
+            </a:r>
+            <a:r>
+              <a:rPr lang="ko-KR" altLang="en-US" sz="5400" spc="400">
+                <a:solidFill>
+                  <a:schemeClr val="bg1"/>
+                </a:solidFill>
+                <a:latin typeface="맑은 고딕" panose="020B0503020000020004" pitchFamily="50" charset="-127"/>
+                <a:ea typeface="맑은 고딕" panose="020B0503020000020004" pitchFamily="50" charset="-127"/>
+              </a:rPr>
+              <a:t>소개 영상 계획</a:t>
             </a:r>
             <a:endParaRPr lang="ko-KR" altLang="en-US" dirty="0">
               <a:latin typeface="맑은 고딕" panose="020B0503020000020004" pitchFamily="50" charset="-127"/>
